--- a/Guardian_Angel_presentation.pptx
+++ b/Guardian_Angel_presentation.pptx
@@ -117,6 +117,11 @@
       </a:defRPr>
     </a:lvl9pPr>
   </p:defaultTextStyle>
+  <p:extLst>
+    <p:ext uri="{EFAFB233-063F-42B5-8137-9DF3F51BA10A}">
+      <p15:sldGuideLst xmlns:p15="http://schemas.microsoft.com/office/powerpoint/2012/main"/>
+    </p:ext>
+  </p:extLst>
 </p:presentation>
 </file>
 
@@ -202,7 +207,7 @@
           <a:p>
             <a:fld id="{2FF672CB-14A2-45D4-8B6B-D0EA0C35275B}" type="datetimeFigureOut">
               <a:rPr lang="bg-BG" smtClean="0"/>
-              <a:t>20.3.2025 г.</a:t>
+              <a:t>21.3.2025 г.</a:t>
             </a:fld>
             <a:endParaRPr lang="bg-BG"/>
           </a:p>
@@ -802,7 +807,7 @@
           <a:noFill/>
           <a:extLst>
             <a:ext uri="{909E8E84-426E-40dd-AFC4-6F175D3DCCD1}">
-              <a14:hiddenFill xmlns:a14="http://schemas.microsoft.com/office/drawing/2010/main" xmlns="">
+              <a14:hiddenFill xmlns="" xmlns:a14="http://schemas.microsoft.com/office/drawing/2010/main">
                 <a:solidFill>
                   <a:srgbClr val="FFFFFF"/>
                 </a:solidFill>
@@ -861,7 +866,7 @@
             </a:ln>
             <a:extLst>
               <a:ext uri="{91240B29-F687-4f45-9708-019B960494DF}">
-                <a14:hiddenLine xmlns:a14="http://schemas.microsoft.com/office/drawing/2010/main" xmlns="" w="9525">
+                <a14:hiddenLine xmlns="" xmlns:a14="http://schemas.microsoft.com/office/drawing/2010/main" w="9525">
                   <a:solidFill>
                     <a:srgbClr val="000000"/>
                   </a:solidFill>
@@ -951,7 +956,7 @@
             </a:ln>
             <a:extLst>
               <a:ext uri="{91240B29-F687-4f45-9708-019B960494DF}">
-                <a14:hiddenLine xmlns:a14="http://schemas.microsoft.com/office/drawing/2010/main" xmlns="" w="9525">
+                <a14:hiddenLine xmlns="" xmlns:a14="http://schemas.microsoft.com/office/drawing/2010/main" w="9525">
                   <a:solidFill>
                     <a:srgbClr val="000000"/>
                   </a:solidFill>
@@ -1041,7 +1046,7 @@
             </a:ln>
             <a:extLst>
               <a:ext uri="{91240B29-F687-4f45-9708-019B960494DF}">
-                <a14:hiddenLine xmlns:a14="http://schemas.microsoft.com/office/drawing/2010/main" xmlns="" w="9525">
+                <a14:hiddenLine xmlns="" xmlns:a14="http://schemas.microsoft.com/office/drawing/2010/main" w="9525">
                   <a:solidFill>
                     <a:srgbClr val="000000"/>
                   </a:solidFill>
@@ -1075,7 +1080,7 @@
             </a:ln>
             <a:extLst>
               <a:ext uri="{91240B29-F687-4f45-9708-019B960494DF}">
-                <a14:hiddenLine xmlns:a14="http://schemas.microsoft.com/office/drawing/2010/main" xmlns="" w="9525">
+                <a14:hiddenLine xmlns="" xmlns:a14="http://schemas.microsoft.com/office/drawing/2010/main" w="9525">
                   <a:solidFill>
                     <a:srgbClr val="000000"/>
                   </a:solidFill>
@@ -1165,7 +1170,7 @@
             </a:ln>
             <a:extLst>
               <a:ext uri="{91240B29-F687-4f45-9708-019B960494DF}">
-                <a14:hiddenLine xmlns:a14="http://schemas.microsoft.com/office/drawing/2010/main" xmlns="" w="9525">
+                <a14:hiddenLine xmlns="" xmlns:a14="http://schemas.microsoft.com/office/drawing/2010/main" w="9525">
                   <a:solidFill>
                     <a:srgbClr val="000000"/>
                   </a:solidFill>
@@ -1227,7 +1232,7 @@
             </a:ln>
             <a:extLst>
               <a:ext uri="{91240B29-F687-4f45-9708-019B960494DF}">
-                <a14:hiddenLine xmlns:a14="http://schemas.microsoft.com/office/drawing/2010/main" xmlns="" w="9525">
+                <a14:hiddenLine xmlns="" xmlns:a14="http://schemas.microsoft.com/office/drawing/2010/main" w="9525">
                   <a:solidFill>
                     <a:srgbClr val="000000"/>
                   </a:solidFill>
@@ -1289,7 +1294,7 @@
             </a:ln>
             <a:extLst>
               <a:ext uri="{91240B29-F687-4f45-9708-019B960494DF}">
-                <a14:hiddenLine xmlns:a14="http://schemas.microsoft.com/office/drawing/2010/main" xmlns="" w="9525">
+                <a14:hiddenLine xmlns="" xmlns:a14="http://schemas.microsoft.com/office/drawing/2010/main" w="9525">
                   <a:solidFill>
                     <a:srgbClr val="000000"/>
                   </a:solidFill>
@@ -1379,7 +1384,7 @@
             </a:ln>
             <a:extLst>
               <a:ext uri="{91240B29-F687-4f45-9708-019B960494DF}">
-                <a14:hiddenLine xmlns:a14="http://schemas.microsoft.com/office/drawing/2010/main" xmlns="" w="9525">
+                <a14:hiddenLine xmlns="" xmlns:a14="http://schemas.microsoft.com/office/drawing/2010/main" w="9525">
                   <a:solidFill>
                     <a:srgbClr val="000000"/>
                   </a:solidFill>
@@ -1441,7 +1446,7 @@
             </a:ln>
             <a:extLst>
               <a:ext uri="{91240B29-F687-4f45-9708-019B960494DF}">
-                <a14:hiddenLine xmlns:a14="http://schemas.microsoft.com/office/drawing/2010/main" xmlns="" w="9525">
+                <a14:hiddenLine xmlns="" xmlns:a14="http://schemas.microsoft.com/office/drawing/2010/main" w="9525">
                   <a:solidFill>
                     <a:srgbClr val="000000"/>
                   </a:solidFill>
@@ -1503,7 +1508,7 @@
             </a:ln>
             <a:extLst>
               <a:ext uri="{91240B29-F687-4f45-9708-019B960494DF}">
-                <a14:hiddenLine xmlns:a14="http://schemas.microsoft.com/office/drawing/2010/main" xmlns="" w="9525">
+                <a14:hiddenLine xmlns="" xmlns:a14="http://schemas.microsoft.com/office/drawing/2010/main" w="9525">
                   <a:solidFill>
                     <a:srgbClr val="000000"/>
                   </a:solidFill>
@@ -1593,7 +1598,7 @@
             </a:ln>
             <a:extLst>
               <a:ext uri="{91240B29-F687-4f45-9708-019B960494DF}">
-                <a14:hiddenLine xmlns:a14="http://schemas.microsoft.com/office/drawing/2010/main" xmlns="" w="9525">
+                <a14:hiddenLine xmlns="" xmlns:a14="http://schemas.microsoft.com/office/drawing/2010/main" w="9525">
                   <a:solidFill>
                     <a:srgbClr val="000000"/>
                   </a:solidFill>
@@ -1683,7 +1688,7 @@
             </a:ln>
             <a:extLst>
               <a:ext uri="{91240B29-F687-4f45-9708-019B960494DF}">
-                <a14:hiddenLine xmlns:a14="http://schemas.microsoft.com/office/drawing/2010/main" xmlns="" w="9525">
+                <a14:hiddenLine xmlns="" xmlns:a14="http://schemas.microsoft.com/office/drawing/2010/main" w="9525">
                   <a:solidFill>
                     <a:srgbClr val="000000"/>
                   </a:solidFill>
@@ -1745,7 +1750,7 @@
             </a:ln>
             <a:extLst>
               <a:ext uri="{91240B29-F687-4f45-9708-019B960494DF}">
-                <a14:hiddenLine xmlns:a14="http://schemas.microsoft.com/office/drawing/2010/main" xmlns="" w="9525">
+                <a14:hiddenLine xmlns="" xmlns:a14="http://schemas.microsoft.com/office/drawing/2010/main" w="9525">
                   <a:solidFill>
                     <a:srgbClr val="000000"/>
                   </a:solidFill>
@@ -1855,7 +1860,7 @@
             </a:ln>
             <a:extLst>
               <a:ext uri="{91240B29-F687-4f45-9708-019B960494DF}">
-                <a14:hiddenLine xmlns:a14="http://schemas.microsoft.com/office/drawing/2010/main" xmlns="" w="9525">
+                <a14:hiddenLine xmlns="" xmlns:a14="http://schemas.microsoft.com/office/drawing/2010/main" w="9525">
                   <a:solidFill>
                     <a:srgbClr val="000000"/>
                   </a:solidFill>
@@ -1917,7 +1922,7 @@
             </a:ln>
             <a:extLst>
               <a:ext uri="{91240B29-F687-4f45-9708-019B960494DF}">
-                <a14:hiddenLine xmlns:a14="http://schemas.microsoft.com/office/drawing/2010/main" xmlns="" w="9525">
+                <a14:hiddenLine xmlns="" xmlns:a14="http://schemas.microsoft.com/office/drawing/2010/main" w="9525">
                   <a:solidFill>
                     <a:srgbClr val="000000"/>
                   </a:solidFill>
@@ -2007,7 +2012,7 @@
             </a:ln>
             <a:extLst>
               <a:ext uri="{91240B29-F687-4f45-9708-019B960494DF}">
-                <a14:hiddenLine xmlns:a14="http://schemas.microsoft.com/office/drawing/2010/main" xmlns="" w="9525">
+                <a14:hiddenLine xmlns="" xmlns:a14="http://schemas.microsoft.com/office/drawing/2010/main" w="9525">
                   <a:solidFill>
                     <a:srgbClr val="000000"/>
                   </a:solidFill>
@@ -2097,7 +2102,7 @@
             </a:ln>
             <a:extLst>
               <a:ext uri="{91240B29-F687-4f45-9708-019B960494DF}">
-                <a14:hiddenLine xmlns:a14="http://schemas.microsoft.com/office/drawing/2010/main" xmlns="" w="9525">
+                <a14:hiddenLine xmlns="" xmlns:a14="http://schemas.microsoft.com/office/drawing/2010/main" w="9525">
                   <a:solidFill>
                     <a:srgbClr val="000000"/>
                   </a:solidFill>
@@ -2159,7 +2164,7 @@
             </a:ln>
             <a:extLst>
               <a:ext uri="{91240B29-F687-4f45-9708-019B960494DF}">
-                <a14:hiddenLine xmlns:a14="http://schemas.microsoft.com/office/drawing/2010/main" xmlns="" w="9525">
+                <a14:hiddenLine xmlns="" xmlns:a14="http://schemas.microsoft.com/office/drawing/2010/main" w="9525">
                   <a:solidFill>
                     <a:srgbClr val="000000"/>
                   </a:solidFill>
@@ -2249,7 +2254,7 @@
             </a:ln>
             <a:extLst>
               <a:ext uri="{91240B29-F687-4f45-9708-019B960494DF}">
-                <a14:hiddenLine xmlns:a14="http://schemas.microsoft.com/office/drawing/2010/main" xmlns="" w="9525">
+                <a14:hiddenLine xmlns="" xmlns:a14="http://schemas.microsoft.com/office/drawing/2010/main" w="9525">
                   <a:solidFill>
                     <a:srgbClr val="000000"/>
                   </a:solidFill>
@@ -2339,7 +2344,7 @@
             </a:ln>
             <a:extLst>
               <a:ext uri="{91240B29-F687-4f45-9708-019B960494DF}">
-                <a14:hiddenLine xmlns:a14="http://schemas.microsoft.com/office/drawing/2010/main" xmlns="" w="9525">
+                <a14:hiddenLine xmlns="" xmlns:a14="http://schemas.microsoft.com/office/drawing/2010/main" w="9525">
                   <a:solidFill>
                     <a:srgbClr val="000000"/>
                   </a:solidFill>
@@ -2395,7 +2400,7 @@
             </a:ln>
             <a:extLst>
               <a:ext uri="{91240B29-F687-4f45-9708-019B960494DF}">
-                <a14:hiddenLine xmlns:a14="http://schemas.microsoft.com/office/drawing/2010/main" xmlns="" w="9525">
+                <a14:hiddenLine xmlns="" xmlns:a14="http://schemas.microsoft.com/office/drawing/2010/main" w="9525">
                   <a:solidFill>
                     <a:srgbClr val="000000"/>
                   </a:solidFill>
@@ -2485,7 +2490,7 @@
             </a:ln>
             <a:extLst>
               <a:ext uri="{91240B29-F687-4f45-9708-019B960494DF}">
-                <a14:hiddenLine xmlns:a14="http://schemas.microsoft.com/office/drawing/2010/main" xmlns="" w="9525">
+                <a14:hiddenLine xmlns="" xmlns:a14="http://schemas.microsoft.com/office/drawing/2010/main" w="9525">
                   <a:solidFill>
                     <a:srgbClr val="000000"/>
                   </a:solidFill>
@@ -2541,7 +2546,7 @@
             </a:ln>
             <a:extLst>
               <a:ext uri="{91240B29-F687-4f45-9708-019B960494DF}">
-                <a14:hiddenLine xmlns:a14="http://schemas.microsoft.com/office/drawing/2010/main" xmlns="" w="9525">
+                <a14:hiddenLine xmlns="" xmlns:a14="http://schemas.microsoft.com/office/drawing/2010/main" w="9525">
                   <a:solidFill>
                     <a:srgbClr val="000000"/>
                   </a:solidFill>
@@ -2631,7 +2636,7 @@
             </a:ln>
             <a:extLst>
               <a:ext uri="{91240B29-F687-4f45-9708-019B960494DF}">
-                <a14:hiddenLine xmlns:a14="http://schemas.microsoft.com/office/drawing/2010/main" xmlns="" w="9525">
+                <a14:hiddenLine xmlns="" xmlns:a14="http://schemas.microsoft.com/office/drawing/2010/main" w="9525">
                   <a:solidFill>
                     <a:srgbClr val="000000"/>
                   </a:solidFill>
@@ -2699,7 +2704,7 @@
             </a:ln>
             <a:extLst>
               <a:ext uri="{91240B29-F687-4f45-9708-019B960494DF}">
-                <a14:hiddenLine xmlns:a14="http://schemas.microsoft.com/office/drawing/2010/main" xmlns="" w="9525">
+                <a14:hiddenLine xmlns="" xmlns:a14="http://schemas.microsoft.com/office/drawing/2010/main" w="9525">
                   <a:solidFill>
                     <a:srgbClr val="000000"/>
                   </a:solidFill>
@@ -2789,7 +2794,7 @@
             </a:ln>
             <a:extLst>
               <a:ext uri="{91240B29-F687-4f45-9708-019B960494DF}">
-                <a14:hiddenLine xmlns:a14="http://schemas.microsoft.com/office/drawing/2010/main" xmlns="" w="9525">
+                <a14:hiddenLine xmlns="" xmlns:a14="http://schemas.microsoft.com/office/drawing/2010/main" w="9525">
                   <a:solidFill>
                     <a:srgbClr val="000000"/>
                   </a:solidFill>
@@ -2857,7 +2862,7 @@
             </a:ln>
             <a:extLst>
               <a:ext uri="{91240B29-F687-4f45-9708-019B960494DF}">
-                <a14:hiddenLine xmlns:a14="http://schemas.microsoft.com/office/drawing/2010/main" xmlns="" w="9525">
+                <a14:hiddenLine xmlns="" xmlns:a14="http://schemas.microsoft.com/office/drawing/2010/main" w="9525">
                   <a:solidFill>
                     <a:srgbClr val="000000"/>
                   </a:solidFill>
@@ -2947,7 +2952,7 @@
             </a:ln>
             <a:extLst>
               <a:ext uri="{91240B29-F687-4f45-9708-019B960494DF}">
-                <a14:hiddenLine xmlns:a14="http://schemas.microsoft.com/office/drawing/2010/main" xmlns="" w="9525">
+                <a14:hiddenLine xmlns="" xmlns:a14="http://schemas.microsoft.com/office/drawing/2010/main" w="9525">
                   <a:solidFill>
                     <a:srgbClr val="000000"/>
                   </a:solidFill>
@@ -2981,7 +2986,7 @@
             </a:ln>
             <a:extLst>
               <a:ext uri="{91240B29-F687-4f45-9708-019B960494DF}">
-                <a14:hiddenLine xmlns:a14="http://schemas.microsoft.com/office/drawing/2010/main" xmlns="" w="9525">
+                <a14:hiddenLine xmlns="" xmlns:a14="http://schemas.microsoft.com/office/drawing/2010/main" w="9525">
                   <a:solidFill>
                     <a:srgbClr val="000000"/>
                   </a:solidFill>
@@ -3071,7 +3076,7 @@
             </a:ln>
             <a:extLst>
               <a:ext uri="{91240B29-F687-4f45-9708-019B960494DF}">
-                <a14:hiddenLine xmlns:a14="http://schemas.microsoft.com/office/drawing/2010/main" xmlns="" w="9525">
+                <a14:hiddenLine xmlns="" xmlns:a14="http://schemas.microsoft.com/office/drawing/2010/main" w="9525">
                   <a:solidFill>
                     <a:srgbClr val="000000"/>
                   </a:solidFill>
@@ -3133,7 +3138,7 @@
             </a:ln>
             <a:extLst>
               <a:ext uri="{91240B29-F687-4f45-9708-019B960494DF}">
-                <a14:hiddenLine xmlns:a14="http://schemas.microsoft.com/office/drawing/2010/main" xmlns="" w="9525">
+                <a14:hiddenLine xmlns="" xmlns:a14="http://schemas.microsoft.com/office/drawing/2010/main" w="9525">
                   <a:solidFill>
                     <a:srgbClr val="000000"/>
                   </a:solidFill>
@@ -3195,7 +3200,7 @@
             </a:ln>
             <a:extLst>
               <a:ext uri="{91240B29-F687-4f45-9708-019B960494DF}">
-                <a14:hiddenLine xmlns:a14="http://schemas.microsoft.com/office/drawing/2010/main" xmlns="" w="9525">
+                <a14:hiddenLine xmlns="" xmlns:a14="http://schemas.microsoft.com/office/drawing/2010/main" w="9525">
                   <a:solidFill>
                     <a:srgbClr val="000000"/>
                   </a:solidFill>
@@ -3285,7 +3290,7 @@
             </a:ln>
             <a:extLst>
               <a:ext uri="{91240B29-F687-4f45-9708-019B960494DF}">
-                <a14:hiddenLine xmlns:a14="http://schemas.microsoft.com/office/drawing/2010/main" xmlns="" w="9525">
+                <a14:hiddenLine xmlns="" xmlns:a14="http://schemas.microsoft.com/office/drawing/2010/main" w="9525">
                   <a:solidFill>
                     <a:srgbClr val="000000"/>
                   </a:solidFill>
@@ -3353,7 +3358,7 @@
             </a:ln>
             <a:extLst>
               <a:ext uri="{91240B29-F687-4f45-9708-019B960494DF}">
-                <a14:hiddenLine xmlns:a14="http://schemas.microsoft.com/office/drawing/2010/main" xmlns="" w="9525">
+                <a14:hiddenLine xmlns="" xmlns:a14="http://schemas.microsoft.com/office/drawing/2010/main" w="9525">
                   <a:solidFill>
                     <a:srgbClr val="000000"/>
                   </a:solidFill>
@@ -3415,7 +3420,7 @@
             </a:ln>
             <a:extLst>
               <a:ext uri="{91240B29-F687-4f45-9708-019B960494DF}">
-                <a14:hiddenLine xmlns:a14="http://schemas.microsoft.com/office/drawing/2010/main" xmlns="" w="9525">
+                <a14:hiddenLine xmlns="" xmlns:a14="http://schemas.microsoft.com/office/drawing/2010/main" w="9525">
                   <a:solidFill>
                     <a:srgbClr val="000000"/>
                   </a:solidFill>
@@ -3505,7 +3510,7 @@
             </a:ln>
             <a:extLst>
               <a:ext uri="{91240B29-F687-4f45-9708-019B960494DF}">
-                <a14:hiddenLine xmlns:a14="http://schemas.microsoft.com/office/drawing/2010/main" xmlns="" w="9525">
+                <a14:hiddenLine xmlns="" xmlns:a14="http://schemas.microsoft.com/office/drawing/2010/main" w="9525">
                   <a:solidFill>
                     <a:srgbClr val="000000"/>
                   </a:solidFill>
@@ -3567,7 +3572,7 @@
             </a:ln>
             <a:extLst>
               <a:ext uri="{91240B29-F687-4f45-9708-019B960494DF}">
-                <a14:hiddenLine xmlns:a14="http://schemas.microsoft.com/office/drawing/2010/main" xmlns="" w="9525">
+                <a14:hiddenLine xmlns="" xmlns:a14="http://schemas.microsoft.com/office/drawing/2010/main" w="9525">
                   <a:solidFill>
                     <a:srgbClr val="000000"/>
                   </a:solidFill>
@@ -3657,7 +3662,7 @@
             </a:ln>
             <a:extLst>
               <a:ext uri="{91240B29-F687-4f45-9708-019B960494DF}">
-                <a14:hiddenLine xmlns:a14="http://schemas.microsoft.com/office/drawing/2010/main" xmlns="" w="9525">
+                <a14:hiddenLine xmlns="" xmlns:a14="http://schemas.microsoft.com/office/drawing/2010/main" w="9525">
                   <a:solidFill>
                     <a:srgbClr val="000000"/>
                   </a:solidFill>
@@ -3719,7 +3724,7 @@
             </a:ln>
             <a:extLst>
               <a:ext uri="{91240B29-F687-4f45-9708-019B960494DF}">
-                <a14:hiddenLine xmlns:a14="http://schemas.microsoft.com/office/drawing/2010/main" xmlns="" w="9525">
+                <a14:hiddenLine xmlns="" xmlns:a14="http://schemas.microsoft.com/office/drawing/2010/main" w="9525">
                   <a:solidFill>
                     <a:srgbClr val="000000"/>
                   </a:solidFill>
@@ -3809,7 +3814,7 @@
             </a:ln>
             <a:extLst>
               <a:ext uri="{91240B29-F687-4f45-9708-019B960494DF}">
-                <a14:hiddenLine xmlns:a14="http://schemas.microsoft.com/office/drawing/2010/main" xmlns="" w="9525">
+                <a14:hiddenLine xmlns="" xmlns:a14="http://schemas.microsoft.com/office/drawing/2010/main" w="9525">
                   <a:solidFill>
                     <a:srgbClr val="000000"/>
                   </a:solidFill>
@@ -3843,7 +3848,7 @@
             </a:ln>
             <a:extLst>
               <a:ext uri="{91240B29-F687-4f45-9708-019B960494DF}">
-                <a14:hiddenLine xmlns:a14="http://schemas.microsoft.com/office/drawing/2010/main" xmlns="" w="9525">
+                <a14:hiddenLine xmlns="" xmlns:a14="http://schemas.microsoft.com/office/drawing/2010/main" w="9525">
                   <a:solidFill>
                     <a:srgbClr val="000000"/>
                   </a:solidFill>
@@ -3908,7 +3913,7 @@
             </a:ln>
             <a:extLst>
               <a:ext uri="{91240B29-F687-4f45-9708-019B960494DF}">
-                <a14:hiddenLine xmlns:a14="http://schemas.microsoft.com/office/drawing/2010/main" xmlns="" w="9525">
+                <a14:hiddenLine xmlns="" xmlns:a14="http://schemas.microsoft.com/office/drawing/2010/main" w="9525">
                   <a:solidFill>
                     <a:srgbClr val="000000"/>
                   </a:solidFill>
@@ -3998,7 +4003,7 @@
             </a:ln>
             <a:extLst>
               <a:ext uri="{91240B29-F687-4f45-9708-019B960494DF}">
-                <a14:hiddenLine xmlns:a14="http://schemas.microsoft.com/office/drawing/2010/main" xmlns="" w="9525">
+                <a14:hiddenLine xmlns="" xmlns:a14="http://schemas.microsoft.com/office/drawing/2010/main" w="9525">
                   <a:solidFill>
                     <a:srgbClr val="000000"/>
                   </a:solidFill>
@@ -4060,7 +4065,7 @@
             </a:ln>
             <a:extLst>
               <a:ext uri="{91240B29-F687-4f45-9708-019B960494DF}">
-                <a14:hiddenLine xmlns:a14="http://schemas.microsoft.com/office/drawing/2010/main" xmlns="" w="9525">
+                <a14:hiddenLine xmlns="" xmlns:a14="http://schemas.microsoft.com/office/drawing/2010/main" w="9525">
                   <a:solidFill>
                     <a:srgbClr val="000000"/>
                   </a:solidFill>
@@ -4150,7 +4155,7 @@
             </a:ln>
             <a:extLst>
               <a:ext uri="{91240B29-F687-4f45-9708-019B960494DF}">
-                <a14:hiddenLine xmlns:a14="http://schemas.microsoft.com/office/drawing/2010/main" xmlns="" w="9525">
+                <a14:hiddenLine xmlns="" xmlns:a14="http://schemas.microsoft.com/office/drawing/2010/main" w="9525">
                   <a:solidFill>
                     <a:srgbClr val="000000"/>
                   </a:solidFill>
@@ -4240,7 +4245,7 @@
             </a:ln>
             <a:extLst>
               <a:ext uri="{91240B29-F687-4f45-9708-019B960494DF}">
-                <a14:hiddenLine xmlns:a14="http://schemas.microsoft.com/office/drawing/2010/main" xmlns="" w="9525">
+                <a14:hiddenLine xmlns="" xmlns:a14="http://schemas.microsoft.com/office/drawing/2010/main" w="9525">
                   <a:solidFill>
                     <a:srgbClr val="000000"/>
                   </a:solidFill>
@@ -4305,7 +4310,7 @@
             </a:ln>
             <a:extLst>
               <a:ext uri="{91240B29-F687-4f45-9708-019B960494DF}">
-                <a14:hiddenLine xmlns:a14="http://schemas.microsoft.com/office/drawing/2010/main" xmlns="" w="9525">
+                <a14:hiddenLine xmlns="" xmlns:a14="http://schemas.microsoft.com/office/drawing/2010/main" w="9525">
                   <a:solidFill>
                     <a:srgbClr val="000000"/>
                   </a:solidFill>
@@ -4367,7 +4372,7 @@
             </a:ln>
             <a:extLst>
               <a:ext uri="{91240B29-F687-4f45-9708-019B960494DF}">
-                <a14:hiddenLine xmlns:a14="http://schemas.microsoft.com/office/drawing/2010/main" xmlns="" w="9525">
+                <a14:hiddenLine xmlns="" xmlns:a14="http://schemas.microsoft.com/office/drawing/2010/main" w="9525">
                   <a:solidFill>
                     <a:srgbClr val="000000"/>
                   </a:solidFill>
@@ -4457,7 +4462,7 @@
             </a:ln>
             <a:extLst>
               <a:ext uri="{91240B29-F687-4f45-9708-019B960494DF}">
-                <a14:hiddenLine xmlns:a14="http://schemas.microsoft.com/office/drawing/2010/main" xmlns="" w="9525">
+                <a14:hiddenLine xmlns="" xmlns:a14="http://schemas.microsoft.com/office/drawing/2010/main" w="9525">
                   <a:solidFill>
                     <a:srgbClr val="000000"/>
                   </a:solidFill>
@@ -4547,7 +4552,7 @@
             </a:ln>
             <a:extLst>
               <a:ext uri="{91240B29-F687-4f45-9708-019B960494DF}">
-                <a14:hiddenLine xmlns:a14="http://schemas.microsoft.com/office/drawing/2010/main" xmlns="" w="9525">
+                <a14:hiddenLine xmlns="" xmlns:a14="http://schemas.microsoft.com/office/drawing/2010/main" w="9525">
                   <a:solidFill>
                     <a:srgbClr val="000000"/>
                   </a:solidFill>
@@ -4609,7 +4614,7 @@
             </a:ln>
             <a:extLst>
               <a:ext uri="{91240B29-F687-4f45-9708-019B960494DF}">
-                <a14:hiddenLine xmlns:a14="http://schemas.microsoft.com/office/drawing/2010/main" xmlns="" w="9525">
+                <a14:hiddenLine xmlns="" xmlns:a14="http://schemas.microsoft.com/office/drawing/2010/main" w="9525">
                   <a:solidFill>
                     <a:srgbClr val="000000"/>
                   </a:solidFill>
@@ -4729,7 +4734,7 @@
             </a:ln>
             <a:extLst>
               <a:ext uri="{91240B29-F687-4f45-9708-019B960494DF}">
-                <a14:hiddenLine xmlns:a14="http://schemas.microsoft.com/office/drawing/2010/main" xmlns="" w="9525">
+                <a14:hiddenLine xmlns="" xmlns:a14="http://schemas.microsoft.com/office/drawing/2010/main" w="9525">
                   <a:solidFill>
                     <a:srgbClr val="000000"/>
                   </a:solidFill>
@@ -4797,7 +4802,7 @@
             </a:ln>
             <a:extLst>
               <a:ext uri="{91240B29-F687-4f45-9708-019B960494DF}">
-                <a14:hiddenLine xmlns:a14="http://schemas.microsoft.com/office/drawing/2010/main" xmlns="" w="9525">
+                <a14:hiddenLine xmlns="" xmlns:a14="http://schemas.microsoft.com/office/drawing/2010/main" w="9525">
                   <a:solidFill>
                     <a:srgbClr val="000000"/>
                   </a:solidFill>
@@ -4887,7 +4892,7 @@
             </a:ln>
             <a:extLst>
               <a:ext uri="{91240B29-F687-4f45-9708-019B960494DF}">
-                <a14:hiddenLine xmlns:a14="http://schemas.microsoft.com/office/drawing/2010/main" xmlns="" w="9525">
+                <a14:hiddenLine xmlns="" xmlns:a14="http://schemas.microsoft.com/office/drawing/2010/main" w="9525">
                   <a:solidFill>
                     <a:srgbClr val="000000"/>
                   </a:solidFill>
@@ -5027,7 +5032,7 @@
           <a:p>
             <a:fld id="{48A87A34-81AB-432B-8DAE-1953F412C126}" type="datetimeFigureOut">
               <a:rPr lang="en-US" dirty="0"/>
-              <a:t>3/20/2025</a:t>
+              <a:t>3/21/2025</a:t>
             </a:fld>
             <a:endParaRPr lang="en-US" dirty="0"/>
           </a:p>
@@ -5289,7 +5294,7 @@
           <a:p>
             <a:fld id="{48A87A34-81AB-432B-8DAE-1953F412C126}" type="datetimeFigureOut">
               <a:rPr lang="en-US" dirty="0"/>
-              <a:t>3/20/2025</a:t>
+              <a:t>3/21/2025</a:t>
             </a:fld>
             <a:endParaRPr lang="en-US" dirty="0"/>
           </a:p>
@@ -5480,7 +5485,7 @@
           <a:p>
             <a:fld id="{48A87A34-81AB-432B-8DAE-1953F412C126}" type="datetimeFigureOut">
               <a:rPr lang="en-US" dirty="0"/>
-              <a:t>3/20/2025</a:t>
+              <a:t>3/21/2025</a:t>
             </a:fld>
             <a:endParaRPr lang="en-US" dirty="0"/>
           </a:p>
@@ -5738,7 +5743,7 @@
           <a:p>
             <a:fld id="{48A87A34-81AB-432B-8DAE-1953F412C126}" type="datetimeFigureOut">
               <a:rPr lang="en-US" dirty="0"/>
-              <a:t>3/20/2025</a:t>
+              <a:t>3/21/2025</a:t>
             </a:fld>
             <a:endParaRPr lang="en-US" dirty="0"/>
           </a:p>
@@ -6167,7 +6172,7 @@
           <a:p>
             <a:fld id="{48A87A34-81AB-432B-8DAE-1953F412C126}" type="datetimeFigureOut">
               <a:rPr lang="en-US" dirty="0"/>
-              <a:t>3/20/2025</a:t>
+              <a:t>3/21/2025</a:t>
             </a:fld>
             <a:endParaRPr lang="en-US" dirty="0"/>
           </a:p>
@@ -6708,7 +6713,7 @@
           <a:p>
             <a:fld id="{48A87A34-81AB-432B-8DAE-1953F412C126}" type="datetimeFigureOut">
               <a:rPr lang="en-US" dirty="0"/>
-              <a:t>3/20/2025</a:t>
+              <a:t>3/21/2025</a:t>
             </a:fld>
             <a:endParaRPr lang="en-US" dirty="0"/>
           </a:p>
@@ -7423,7 +7428,7 @@
           <a:p>
             <a:fld id="{48A87A34-81AB-432B-8DAE-1953F412C126}" type="datetimeFigureOut">
               <a:rPr lang="en-US" dirty="0"/>
-              <a:t>3/20/2025</a:t>
+              <a:t>3/21/2025</a:t>
             </a:fld>
             <a:endParaRPr lang="en-US" dirty="0"/>
           </a:p>
@@ -7588,7 +7593,7 @@
           <a:p>
             <a:fld id="{48A87A34-81AB-432B-8DAE-1953F412C126}" type="datetimeFigureOut">
               <a:rPr lang="en-US" dirty="0"/>
-              <a:t>3/20/2025</a:t>
+              <a:t>3/21/2025</a:t>
             </a:fld>
             <a:endParaRPr lang="en-US" dirty="0"/>
           </a:p>
@@ -7763,7 +7768,7 @@
           <a:p>
             <a:fld id="{48A87A34-81AB-432B-8DAE-1953F412C126}" type="datetimeFigureOut">
               <a:rPr lang="en-US" dirty="0"/>
-              <a:t>3/20/2025</a:t>
+              <a:t>3/21/2025</a:t>
             </a:fld>
             <a:endParaRPr lang="en-US" dirty="0"/>
           </a:p>
@@ -7928,7 +7933,7 @@
           <a:p>
             <a:fld id="{48A87A34-81AB-432B-8DAE-1953F412C126}" type="datetimeFigureOut">
               <a:rPr lang="en-US" dirty="0"/>
-              <a:t>3/20/2025</a:t>
+              <a:t>3/21/2025</a:t>
             </a:fld>
             <a:endParaRPr lang="en-US" dirty="0"/>
           </a:p>
@@ -8173,7 +8178,7 @@
           <a:p>
             <a:fld id="{48A87A34-81AB-432B-8DAE-1953F412C126}" type="datetimeFigureOut">
               <a:rPr lang="en-US" dirty="0"/>
-              <a:t>3/20/2025</a:t>
+              <a:t>3/21/2025</a:t>
             </a:fld>
             <a:endParaRPr lang="en-US" dirty="0"/>
           </a:p>
@@ -8400,7 +8405,7 @@
           <a:p>
             <a:fld id="{48A87A34-81AB-432B-8DAE-1953F412C126}" type="datetimeFigureOut">
               <a:rPr lang="en-US" dirty="0"/>
-              <a:t>3/20/2025</a:t>
+              <a:t>3/21/2025</a:t>
             </a:fld>
             <a:endParaRPr lang="en-US" dirty="0"/>
           </a:p>
@@ -8776,7 +8781,7 @@
           <a:p>
             <a:fld id="{48A87A34-81AB-432B-8DAE-1953F412C126}" type="datetimeFigureOut">
               <a:rPr lang="en-US" dirty="0"/>
-              <a:t>3/20/2025</a:t>
+              <a:t>3/21/2025</a:t>
             </a:fld>
             <a:endParaRPr lang="en-US" dirty="0"/>
           </a:p>
@@ -8889,7 +8894,7 @@
           <a:p>
             <a:fld id="{48A87A34-81AB-432B-8DAE-1953F412C126}" type="datetimeFigureOut">
               <a:rPr lang="en-US" dirty="0"/>
-              <a:t>3/20/2025</a:t>
+              <a:t>3/21/2025</a:t>
             </a:fld>
             <a:endParaRPr lang="en-US" dirty="0"/>
           </a:p>
@@ -8979,7 +8984,7 @@
           <a:p>
             <a:fld id="{48A87A34-81AB-432B-8DAE-1953F412C126}" type="datetimeFigureOut">
               <a:rPr lang="en-US" dirty="0"/>
-              <a:t>3/20/2025</a:t>
+              <a:t>3/21/2025</a:t>
             </a:fld>
             <a:endParaRPr lang="en-US" dirty="0"/>
           </a:p>
@@ -9223,7 +9228,7 @@
           <a:p>
             <a:fld id="{48A87A34-81AB-432B-8DAE-1953F412C126}" type="datetimeFigureOut">
               <a:rPr lang="en-US" dirty="0"/>
-              <a:t>3/20/2025</a:t>
+              <a:t>3/21/2025</a:t>
             </a:fld>
             <a:endParaRPr lang="en-US" dirty="0"/>
           </a:p>
@@ -9498,7 +9503,7 @@
           <a:p>
             <a:fld id="{48A87A34-81AB-432B-8DAE-1953F412C126}" type="datetimeFigureOut">
               <a:rPr lang="en-US" dirty="0"/>
-              <a:t>3/20/2025</a:t>
+              <a:t>3/21/2025</a:t>
             </a:fld>
             <a:endParaRPr lang="en-US" dirty="0"/>
           </a:p>
@@ -9616,7 +9621,7 @@
           <a:noFill/>
           <a:extLst>
             <a:ext uri="{909E8E84-426E-40dd-AFC4-6F175D3DCCD1}">
-              <a14:hiddenFill xmlns:a14="http://schemas.microsoft.com/office/drawing/2010/main" xmlns="">
+              <a14:hiddenFill xmlns="" xmlns:a14="http://schemas.microsoft.com/office/drawing/2010/main">
                 <a:solidFill>
                   <a:srgbClr val="FFFFFF"/>
                 </a:solidFill>
@@ -9690,7 +9695,7 @@
               </a:ln>
               <a:extLst>
                 <a:ext uri="{91240B29-F687-4f45-9708-019B960494DF}">
-                  <a14:hiddenLine xmlns:a14="http://schemas.microsoft.com/office/drawing/2010/main" xmlns="" w="9525">
+                  <a14:hiddenLine xmlns="" xmlns:a14="http://schemas.microsoft.com/office/drawing/2010/main" w="9525">
                     <a:solidFill>
                       <a:srgbClr val="000000"/>
                     </a:solidFill>
@@ -9780,7 +9785,7 @@
               </a:ln>
               <a:extLst>
                 <a:ext uri="{91240B29-F687-4f45-9708-019B960494DF}">
-                  <a14:hiddenLine xmlns:a14="http://schemas.microsoft.com/office/drawing/2010/main" xmlns="" w="9525">
+                  <a14:hiddenLine xmlns="" xmlns:a14="http://schemas.microsoft.com/office/drawing/2010/main" w="9525">
                     <a:solidFill>
                       <a:srgbClr val="000000"/>
                     </a:solidFill>
@@ -9870,7 +9875,7 @@
               </a:ln>
               <a:extLst>
                 <a:ext uri="{91240B29-F687-4f45-9708-019B960494DF}">
-                  <a14:hiddenLine xmlns:a14="http://schemas.microsoft.com/office/drawing/2010/main" xmlns="" w="9525">
+                  <a14:hiddenLine xmlns="" xmlns:a14="http://schemas.microsoft.com/office/drawing/2010/main" w="9525">
                     <a:solidFill>
                       <a:srgbClr val="000000"/>
                     </a:solidFill>
@@ -9932,7 +9937,7 @@
               </a:ln>
               <a:extLst>
                 <a:ext uri="{91240B29-F687-4f45-9708-019B960494DF}">
-                  <a14:hiddenLine xmlns:a14="http://schemas.microsoft.com/office/drawing/2010/main" xmlns="" w="9525">
+                  <a14:hiddenLine xmlns="" xmlns:a14="http://schemas.microsoft.com/office/drawing/2010/main" w="9525">
                     <a:solidFill>
                       <a:srgbClr val="000000"/>
                     </a:solidFill>
@@ -10022,7 +10027,7 @@
               </a:ln>
               <a:extLst>
                 <a:ext uri="{91240B29-F687-4f45-9708-019B960494DF}">
-                  <a14:hiddenLine xmlns:a14="http://schemas.microsoft.com/office/drawing/2010/main" xmlns="" w="9525">
+                  <a14:hiddenLine xmlns="" xmlns:a14="http://schemas.microsoft.com/office/drawing/2010/main" w="9525">
                     <a:solidFill>
                       <a:srgbClr val="000000"/>
                     </a:solidFill>
@@ -10084,7 +10089,7 @@
               </a:ln>
               <a:extLst>
                 <a:ext uri="{91240B29-F687-4f45-9708-019B960494DF}">
-                  <a14:hiddenLine xmlns:a14="http://schemas.microsoft.com/office/drawing/2010/main" xmlns="" w="9525">
+                  <a14:hiddenLine xmlns="" xmlns:a14="http://schemas.microsoft.com/office/drawing/2010/main" w="9525">
                     <a:solidFill>
                       <a:srgbClr val="000000"/>
                     </a:solidFill>
@@ -10146,7 +10151,7 @@
               </a:ln>
               <a:extLst>
                 <a:ext uri="{91240B29-F687-4f45-9708-019B960494DF}">
-                  <a14:hiddenLine xmlns:a14="http://schemas.microsoft.com/office/drawing/2010/main" xmlns="" w="9525">
+                  <a14:hiddenLine xmlns="" xmlns:a14="http://schemas.microsoft.com/office/drawing/2010/main" w="9525">
                     <a:solidFill>
                       <a:srgbClr val="000000"/>
                     </a:solidFill>
@@ -10236,7 +10241,7 @@
               </a:ln>
               <a:extLst>
                 <a:ext uri="{91240B29-F687-4f45-9708-019B960494DF}">
-                  <a14:hiddenLine xmlns:a14="http://schemas.microsoft.com/office/drawing/2010/main" xmlns="" w="9525">
+                  <a14:hiddenLine xmlns="" xmlns:a14="http://schemas.microsoft.com/office/drawing/2010/main" w="9525">
                     <a:solidFill>
                       <a:srgbClr val="000000"/>
                     </a:solidFill>
@@ -10326,7 +10331,7 @@
               </a:ln>
               <a:extLst>
                 <a:ext uri="{91240B29-F687-4f45-9708-019B960494DF}">
-                  <a14:hiddenLine xmlns:a14="http://schemas.microsoft.com/office/drawing/2010/main" xmlns="" w="9525">
+                  <a14:hiddenLine xmlns="" xmlns:a14="http://schemas.microsoft.com/office/drawing/2010/main" w="9525">
                     <a:solidFill>
                       <a:srgbClr val="000000"/>
                     </a:solidFill>
@@ -10388,7 +10393,7 @@
               </a:ln>
               <a:extLst>
                 <a:ext uri="{91240B29-F687-4f45-9708-019B960494DF}">
-                  <a14:hiddenLine xmlns:a14="http://schemas.microsoft.com/office/drawing/2010/main" xmlns="" w="9525">
+                  <a14:hiddenLine xmlns="" xmlns:a14="http://schemas.microsoft.com/office/drawing/2010/main" w="9525">
                     <a:solidFill>
                       <a:srgbClr val="000000"/>
                     </a:solidFill>
@@ -10498,7 +10503,7 @@
               </a:ln>
               <a:extLst>
                 <a:ext uri="{91240B29-F687-4f45-9708-019B960494DF}">
-                  <a14:hiddenLine xmlns:a14="http://schemas.microsoft.com/office/drawing/2010/main" xmlns="" w="9525">
+                  <a14:hiddenLine xmlns="" xmlns:a14="http://schemas.microsoft.com/office/drawing/2010/main" w="9525">
                     <a:solidFill>
                       <a:srgbClr val="000000"/>
                     </a:solidFill>
@@ -10582,7 +10587,7 @@
               </a:ln>
               <a:extLst>
                 <a:ext uri="{91240B29-F687-4f45-9708-019B960494DF}">
-                  <a14:hiddenLine xmlns:a14="http://schemas.microsoft.com/office/drawing/2010/main" xmlns="" w="9525">
+                  <a14:hiddenLine xmlns="" xmlns:a14="http://schemas.microsoft.com/office/drawing/2010/main" w="9525">
                     <a:solidFill>
                       <a:srgbClr val="000000"/>
                     </a:solidFill>
@@ -10644,7 +10649,7 @@
               </a:ln>
               <a:extLst>
                 <a:ext uri="{91240B29-F687-4f45-9708-019B960494DF}">
-                  <a14:hiddenLine xmlns:a14="http://schemas.microsoft.com/office/drawing/2010/main" xmlns="" w="9525">
+                  <a14:hiddenLine xmlns="" xmlns:a14="http://schemas.microsoft.com/office/drawing/2010/main" w="9525">
                     <a:solidFill>
                       <a:srgbClr val="000000"/>
                     </a:solidFill>
@@ -10706,7 +10711,7 @@
               </a:ln>
               <a:extLst>
                 <a:ext uri="{91240B29-F687-4f45-9708-019B960494DF}">
-                  <a14:hiddenLine xmlns:a14="http://schemas.microsoft.com/office/drawing/2010/main" xmlns="" w="9525">
+                  <a14:hiddenLine xmlns="" xmlns:a14="http://schemas.microsoft.com/office/drawing/2010/main" w="9525">
                     <a:solidFill>
                       <a:srgbClr val="000000"/>
                     </a:solidFill>
@@ -10796,7 +10801,7 @@
               </a:ln>
               <a:extLst>
                 <a:ext uri="{91240B29-F687-4f45-9708-019B960494DF}">
-                  <a14:hiddenLine xmlns:a14="http://schemas.microsoft.com/office/drawing/2010/main" xmlns="" w="9525">
+                  <a14:hiddenLine xmlns="" xmlns:a14="http://schemas.microsoft.com/office/drawing/2010/main" w="9525">
                     <a:solidFill>
                       <a:srgbClr val="000000"/>
                     </a:solidFill>
@@ -10830,7 +10835,7 @@
               </a:ln>
               <a:extLst>
                 <a:ext uri="{91240B29-F687-4f45-9708-019B960494DF}">
-                  <a14:hiddenLine xmlns:a14="http://schemas.microsoft.com/office/drawing/2010/main" xmlns="" w="9525">
+                  <a14:hiddenLine xmlns="" xmlns:a14="http://schemas.microsoft.com/office/drawing/2010/main" w="9525">
                     <a:solidFill>
                       <a:srgbClr val="000000"/>
                     </a:solidFill>
@@ -10895,7 +10900,7 @@
               </a:ln>
               <a:extLst>
                 <a:ext uri="{91240B29-F687-4f45-9708-019B960494DF}">
-                  <a14:hiddenLine xmlns:a14="http://schemas.microsoft.com/office/drawing/2010/main" xmlns="" w="9525">
+                  <a14:hiddenLine xmlns="" xmlns:a14="http://schemas.microsoft.com/office/drawing/2010/main" w="9525">
                     <a:solidFill>
                       <a:srgbClr val="000000"/>
                     </a:solidFill>
@@ -10985,7 +10990,7 @@
               </a:ln>
               <a:extLst>
                 <a:ext uri="{91240B29-F687-4f45-9708-019B960494DF}">
-                  <a14:hiddenLine xmlns:a14="http://schemas.microsoft.com/office/drawing/2010/main" xmlns="" w="9525">
+                  <a14:hiddenLine xmlns="" xmlns:a14="http://schemas.microsoft.com/office/drawing/2010/main" w="9525">
                     <a:solidFill>
                       <a:srgbClr val="000000"/>
                     </a:solidFill>
@@ -11047,7 +11052,7 @@
               </a:ln>
               <a:extLst>
                 <a:ext uri="{91240B29-F687-4f45-9708-019B960494DF}">
-                  <a14:hiddenLine xmlns:a14="http://schemas.microsoft.com/office/drawing/2010/main" xmlns="" w="9525">
+                  <a14:hiddenLine xmlns="" xmlns:a14="http://schemas.microsoft.com/office/drawing/2010/main" w="9525">
                     <a:solidFill>
                       <a:srgbClr val="000000"/>
                     </a:solidFill>
@@ -11137,7 +11142,7 @@
               </a:ln>
               <a:extLst>
                 <a:ext uri="{91240B29-F687-4f45-9708-019B960494DF}">
-                  <a14:hiddenLine xmlns:a14="http://schemas.microsoft.com/office/drawing/2010/main" xmlns="" w="9525">
+                  <a14:hiddenLine xmlns="" xmlns:a14="http://schemas.microsoft.com/office/drawing/2010/main" w="9525">
                     <a:solidFill>
                       <a:srgbClr val="000000"/>
                     </a:solidFill>
@@ -11202,7 +11207,7 @@
               </a:ln>
               <a:extLst>
                 <a:ext uri="{91240B29-F687-4f45-9708-019B960494DF}">
-                  <a14:hiddenLine xmlns:a14="http://schemas.microsoft.com/office/drawing/2010/main" xmlns="" w="9525">
+                  <a14:hiddenLine xmlns="" xmlns:a14="http://schemas.microsoft.com/office/drawing/2010/main" w="9525">
                     <a:solidFill>
                       <a:srgbClr val="000000"/>
                     </a:solidFill>
@@ -11264,7 +11269,7 @@
               </a:ln>
               <a:extLst>
                 <a:ext uri="{91240B29-F687-4f45-9708-019B960494DF}">
-                  <a14:hiddenLine xmlns:a14="http://schemas.microsoft.com/office/drawing/2010/main" xmlns="" w="9525">
+                  <a14:hiddenLine xmlns="" xmlns:a14="http://schemas.microsoft.com/office/drawing/2010/main" w="9525">
                     <a:solidFill>
                       <a:srgbClr val="000000"/>
                     </a:solidFill>
@@ -11354,7 +11359,7 @@
               </a:ln>
               <a:extLst>
                 <a:ext uri="{91240B29-F687-4f45-9708-019B960494DF}">
-                  <a14:hiddenLine xmlns:a14="http://schemas.microsoft.com/office/drawing/2010/main" xmlns="" w="9525">
+                  <a14:hiddenLine xmlns="" xmlns:a14="http://schemas.microsoft.com/office/drawing/2010/main" w="9525">
                     <a:solidFill>
                       <a:srgbClr val="000000"/>
                     </a:solidFill>
@@ -11444,7 +11449,7 @@
               </a:ln>
               <a:extLst>
                 <a:ext uri="{91240B29-F687-4f45-9708-019B960494DF}">
-                  <a14:hiddenLine xmlns:a14="http://schemas.microsoft.com/office/drawing/2010/main" xmlns="" w="9525">
+                  <a14:hiddenLine xmlns="" xmlns:a14="http://schemas.microsoft.com/office/drawing/2010/main" w="9525">
                     <a:solidFill>
                       <a:srgbClr val="000000"/>
                     </a:solidFill>
@@ -11509,7 +11514,7 @@
               </a:ln>
               <a:extLst>
                 <a:ext uri="{91240B29-F687-4f45-9708-019B960494DF}">
-                  <a14:hiddenLine xmlns:a14="http://schemas.microsoft.com/office/drawing/2010/main" xmlns="" w="9525">
+                  <a14:hiddenLine xmlns="" xmlns:a14="http://schemas.microsoft.com/office/drawing/2010/main" w="9525">
                     <a:solidFill>
                       <a:srgbClr val="000000"/>
                     </a:solidFill>
@@ -11629,7 +11634,7 @@
               </a:ln>
               <a:extLst>
                 <a:ext uri="{91240B29-F687-4f45-9708-019B960494DF}">
-                  <a14:hiddenLine xmlns:a14="http://schemas.microsoft.com/office/drawing/2010/main" xmlns="" w="9525">
+                  <a14:hiddenLine xmlns="" xmlns:a14="http://schemas.microsoft.com/office/drawing/2010/main" w="9525">
                     <a:solidFill>
                       <a:srgbClr val="000000"/>
                     </a:solidFill>
@@ -11710,7 +11715,7 @@
               </a:ln>
               <a:extLst>
                 <a:ext uri="{91240B29-F687-4f45-9708-019B960494DF}">
-                  <a14:hiddenLine xmlns:a14="http://schemas.microsoft.com/office/drawing/2010/main" xmlns="" w="9525">
+                  <a14:hiddenLine xmlns="" xmlns:a14="http://schemas.microsoft.com/office/drawing/2010/main" w="9525">
                     <a:solidFill>
                       <a:srgbClr val="000000"/>
                     </a:solidFill>
@@ -11825,7 +11830,7 @@
               </a:ln>
               <a:extLst>
                 <a:ext uri="{91240B29-F687-4f45-9708-019B960494DF}">
-                  <a14:hiddenLine xmlns:a14="http://schemas.microsoft.com/office/drawing/2010/main" xmlns="" w="9525">
+                  <a14:hiddenLine xmlns="" xmlns:a14="http://schemas.microsoft.com/office/drawing/2010/main" w="9525">
                     <a:solidFill>
                       <a:srgbClr val="000000"/>
                     </a:solidFill>
@@ -11915,7 +11920,7 @@
               </a:ln>
               <a:extLst>
                 <a:ext uri="{91240B29-F687-4f45-9708-019B960494DF}">
-                  <a14:hiddenLine xmlns:a14="http://schemas.microsoft.com/office/drawing/2010/main" xmlns="" w="9525">
+                  <a14:hiddenLine xmlns="" xmlns:a14="http://schemas.microsoft.com/office/drawing/2010/main" w="9525">
                     <a:solidFill>
                       <a:srgbClr val="000000"/>
                     </a:solidFill>
@@ -11980,7 +11985,7 @@
               </a:ln>
               <a:extLst>
                 <a:ext uri="{91240B29-F687-4f45-9708-019B960494DF}">
-                  <a14:hiddenLine xmlns:a14="http://schemas.microsoft.com/office/drawing/2010/main" xmlns="" w="9525">
+                  <a14:hiddenLine xmlns="" xmlns:a14="http://schemas.microsoft.com/office/drawing/2010/main" w="9525">
                     <a:solidFill>
                       <a:srgbClr val="000000"/>
                     </a:solidFill>
@@ -12070,7 +12075,7 @@
               </a:ln>
               <a:extLst>
                 <a:ext uri="{91240B29-F687-4f45-9708-019B960494DF}">
-                  <a14:hiddenLine xmlns:a14="http://schemas.microsoft.com/office/drawing/2010/main" xmlns="" w="9525">
+                  <a14:hiddenLine xmlns="" xmlns:a14="http://schemas.microsoft.com/office/drawing/2010/main" w="9525">
                     <a:solidFill>
                       <a:srgbClr val="000000"/>
                     </a:solidFill>
@@ -12138,7 +12143,7 @@
               </a:ln>
               <a:extLst>
                 <a:ext uri="{91240B29-F687-4f45-9708-019B960494DF}">
-                  <a14:hiddenLine xmlns:a14="http://schemas.microsoft.com/office/drawing/2010/main" xmlns="" w="9525">
+                  <a14:hiddenLine xmlns="" xmlns:a14="http://schemas.microsoft.com/office/drawing/2010/main" w="9525">
                     <a:solidFill>
                       <a:srgbClr val="000000"/>
                     </a:solidFill>
@@ -12228,7 +12233,7 @@
               </a:ln>
               <a:extLst>
                 <a:ext uri="{91240B29-F687-4f45-9708-019B960494DF}">
-                  <a14:hiddenLine xmlns:a14="http://schemas.microsoft.com/office/drawing/2010/main" xmlns="" w="9525">
+                  <a14:hiddenLine xmlns="" xmlns:a14="http://schemas.microsoft.com/office/drawing/2010/main" w="9525">
                     <a:solidFill>
                       <a:srgbClr val="000000"/>
                     </a:solidFill>
@@ -12296,7 +12301,7 @@
               </a:ln>
               <a:extLst>
                 <a:ext uri="{91240B29-F687-4f45-9708-019B960494DF}">
-                  <a14:hiddenLine xmlns:a14="http://schemas.microsoft.com/office/drawing/2010/main" xmlns="" w="9525">
+                  <a14:hiddenLine xmlns="" xmlns:a14="http://schemas.microsoft.com/office/drawing/2010/main" w="9525">
                     <a:solidFill>
                       <a:srgbClr val="000000"/>
                     </a:solidFill>
@@ -12386,7 +12391,7 @@
               </a:ln>
               <a:extLst>
                 <a:ext uri="{91240B29-F687-4f45-9708-019B960494DF}">
-                  <a14:hiddenLine xmlns:a14="http://schemas.microsoft.com/office/drawing/2010/main" xmlns="" w="9525">
+                  <a14:hiddenLine xmlns="" xmlns:a14="http://schemas.microsoft.com/office/drawing/2010/main" w="9525">
                     <a:solidFill>
                       <a:srgbClr val="000000"/>
                     </a:solidFill>
@@ -12420,7 +12425,7 @@
               </a:ln>
               <a:extLst>
                 <a:ext uri="{91240B29-F687-4f45-9708-019B960494DF}">
-                  <a14:hiddenLine xmlns:a14="http://schemas.microsoft.com/office/drawing/2010/main" xmlns="" w="9525">
+                  <a14:hiddenLine xmlns="" xmlns:a14="http://schemas.microsoft.com/office/drawing/2010/main" w="9525">
                     <a:solidFill>
                       <a:srgbClr val="000000"/>
                     </a:solidFill>
@@ -12561,7 +12566,7 @@
             <a:fld id="{48A87A34-81AB-432B-8DAE-1953F412C126}" type="datetimeFigureOut">
               <a:rPr lang="en-US" dirty="0"/>
               <a:pPr/>
-              <a:t>3/20/2025</a:t>
+              <a:t>3/21/2025</a:t>
             </a:fld>
             <a:endParaRPr lang="en-US" dirty="0"/>
           </a:p>
@@ -13145,7 +13150,7 @@
             <a:noFill/>
             <a:extLst>
               <a:ext uri="{909E8E84-426E-40dd-AFC4-6F175D3DCCD1}">
-                <a14:hiddenFill xmlns="" xmlns:a16="http://schemas.microsoft.com/office/drawing/2014/main" xmlns:a14="http://schemas.microsoft.com/office/drawing/2010/main" xmlns:p14="http://schemas.microsoft.com/office/powerpoint/2010/main">
+                <a14:hiddenFill xmlns:p14="http://schemas.microsoft.com/office/powerpoint/2010/main" xmlns:a14="http://schemas.microsoft.com/office/drawing/2010/main" xmlns:a16="http://schemas.microsoft.com/office/drawing/2014/main" xmlns="">
                   <a:solidFill>
                     <a:srgbClr val="FFFFFF"/>
                   </a:solidFill>
@@ -15932,6 +15937,14 @@
             <a:r>
               <a:rPr lang="bg-BG" noProof="0" dirty="0"/>
               <a:t>за психичното състояние на света за 2021 г. показва влошаване на психичното здраве в световен мащаб</a:t>
+            </a:r>
+            <a:r>
+              <a:rPr lang="en-US" noProof="0" dirty="0"/>
+              <a:t> </a:t>
+            </a:r>
+            <a:r>
+              <a:rPr lang="bg-BG" noProof="0" dirty="0"/>
+              <a:t>и нещата в днешно време не изглеждат по-добре</a:t>
             </a:r>
             <a:r>
               <a:rPr lang="en-US" noProof="0" dirty="0"/>
@@ -17221,7 +17234,7 @@
         <p:spPr>
           <a:xfrm>
             <a:off x="798261" y="4625757"/>
-            <a:ext cx="2318564" cy="1754326"/>
+            <a:ext cx="2318564" cy="1477328"/>
           </a:xfrm>
           <a:prstGeom prst="rect">
             <a:avLst/>
@@ -17242,7 +17255,23 @@
           <a:p>
             <a:r>
               <a:rPr lang="bg-BG" dirty="0"/>
-              <a:t>- Избирането на технологиите и ученето им (или уж ученето им)</a:t>
+              <a:t>- Избирането на технологиите и</a:t>
+            </a:r>
+            <a:r>
+              <a:rPr lang="en-US" dirty="0"/>
+              <a:t> (</a:t>
+            </a:r>
+            <a:r>
+              <a:rPr lang="bg-BG" dirty="0"/>
+              <a:t>уж</a:t>
+            </a:r>
+            <a:r>
+              <a:rPr lang="en-US" dirty="0"/>
+              <a:t>)</a:t>
+            </a:r>
+            <a:r>
+              <a:rPr lang="bg-BG" dirty="0"/>
+              <a:t> ученето им</a:t>
             </a:r>
           </a:p>
         </p:txBody>
@@ -17261,8 +17290,8 @@
         </p:nvSpPr>
         <p:spPr>
           <a:xfrm>
-            <a:off x="3254478" y="4509416"/>
-            <a:ext cx="2615380" cy="1477328"/>
+            <a:off x="3156156" y="4453256"/>
+            <a:ext cx="3038167" cy="2308324"/>
           </a:xfrm>
           <a:prstGeom prst="rect">
             <a:avLst/>
@@ -17292,7 +17321,7 @@
             </a:r>
             <a:r>
               <a:rPr lang="bg-BG" dirty="0"/>
-              <a:t>Част от </a:t>
+              <a:t>Работа по </a:t>
             </a:r>
             <a:r>
               <a:rPr lang="en-US" dirty="0"/>
@@ -17312,7 +17341,23 @@
               <a:rPr lang="en-US" dirty="0"/>
               <a:t>README</a:t>
             </a:r>
-            <a:endParaRPr lang="bg-BG" dirty="0"/>
+          </a:p>
+          <a:p>
+            <a:r>
+              <a:rPr lang="en-US" dirty="0"/>
+              <a:t>- login/register system</a:t>
+            </a:r>
+          </a:p>
+          <a:p>
+            <a:r>
+              <a:rPr lang="en-US" dirty="0"/>
+              <a:t>- </a:t>
+            </a:r>
+            <a:r>
+              <a:rPr lang="bg-BG" dirty="0"/>
+              <a:t>Опит да направим чат система</a:t>
+            </a:r>
+            <a:endParaRPr lang="en-US" dirty="0"/>
           </a:p>
         </p:txBody>
       </p:sp>
@@ -17352,7 +17397,15 @@
           <a:p>
             <a:r>
               <a:rPr lang="bg-BG" dirty="0"/>
-              <a:t>- Ядене на сладолед (за утеха или празнуване)</a:t>
+              <a:t>- Ядене на сладолед (за утеха или</a:t>
+            </a:r>
+            <a:r>
+              <a:rPr lang="en-US" dirty="0"/>
+              <a:t> </a:t>
+            </a:r>
+            <a:r>
+              <a:rPr lang="bg-BG" dirty="0"/>
+              <a:t>за празнуване)</a:t>
             </a:r>
           </a:p>
         </p:txBody>
